--- a/2018-01-excel/presentation.pptx
+++ b/2018-01-excel/presentation.pptx
@@ -1,6 +1,6 @@
 
 <file path=ppt/presentation.xml><?xml version="1.0" encoding="utf-8"?>
-<p:presentation xmlns:a="http://schemas.openxmlformats.org/drawingml/2006/main" xmlns:r="http://schemas.openxmlformats.org/officeDocument/2006/relationships" xmlns:p="http://schemas.openxmlformats.org/presentationml/2006/main" saveSubsetFonts="1">
+<p:presentation xmlns:a="http://schemas.openxmlformats.org/drawingml/2006/main" xmlns:r="http://schemas.openxmlformats.org/officeDocument/2006/relationships" xmlns:p="http://schemas.openxmlformats.org/presentationml/2006/main" removePersonalInfoOnSave="1" saveSubsetFonts="1">
   <p:sldMasterIdLst>
     <p:sldMasterId id="2147483648" r:id="rId1"/>
   </p:sldMasterIdLst>
@@ -514,35 +514,6 @@
           <a:bodyPr/>
           <a:lstStyle/>
           <a:p>
-            <a:r>
-              <a:rPr lang="en-US" dirty="0" smtClean="0"/>
-              <a:t>Ask questions.</a:t>
-            </a:r>
-          </a:p>
-          <a:p>
-            <a:r>
-              <a:rPr lang="en-US" dirty="0" smtClean="0"/>
-              <a:t>- After all, this is a workshop.</a:t>
-            </a:r>
-          </a:p>
-          <a:p>
-            <a:endParaRPr lang="en-US" dirty="0" smtClean="0"/>
-          </a:p>
-          <a:p>
-            <a:r>
-              <a:rPr lang="en-US" dirty="0" smtClean="0"/>
-              <a:t>Not an Excel expert.</a:t>
-            </a:r>
-          </a:p>
-          <a:p>
-            <a:r>
-              <a:rPr lang="en-US" dirty="0" smtClean="0"/>
-              <a:t>-</a:t>
-            </a:r>
-            <a:r>
-              <a:rPr lang="en-US" baseline="0" dirty="0" smtClean="0"/>
-              <a:t> I will do my best to answer your questions.</a:t>
-            </a:r>
             <a:endParaRPr lang="en-CA" dirty="0"/>
           </a:p>
         </p:txBody>
@@ -631,27 +602,7 @@
               <a:buFontTx/>
               <a:buChar char="-"/>
             </a:pPr>
-            <a:r>
-              <a:rPr lang="en-US" baseline="0" dirty="0" smtClean="0"/>
-              <a:t>Release </a:t>
-            </a:r>
-            <a:r>
-              <a:rPr lang="en-US" baseline="0" dirty="0" smtClean="0"/>
-              <a:t>monthly usages </a:t>
-            </a:r>
-            <a:r>
-              <a:rPr lang="en-US" baseline="0" dirty="0" smtClean="0"/>
-              <a:t>to help justify changes in </a:t>
-            </a:r>
-            <a:r>
-              <a:rPr lang="en-US" baseline="0" smtClean="0"/>
-              <a:t>service</a:t>
-            </a:r>
-            <a:r>
-              <a:rPr lang="en-US" baseline="0" smtClean="0"/>
-              <a:t>.</a:t>
-            </a:r>
-            <a:endParaRPr lang="en-US" baseline="0" dirty="0" smtClean="0"/>
+            <a:endParaRPr lang="en-US" dirty="0"/>
           </a:p>
         </p:txBody>
       </p:sp>
@@ -4120,7 +4071,13 @@
           </p:nvPr>
         </p:nvPicPr>
         <p:blipFill>
-          <a:blip r:embed="rId2"/>
+          <a:blip r:embed="rId2">
+            <a:extLst>
+              <a:ext uri="{28A0092B-C50C-407E-A947-70E740481C1C}">
+                <a14:useLocalDpi xmlns:a14="http://schemas.microsoft.com/office/drawing/2010/main"/>
+              </a:ext>
+            </a:extLst>
+          </a:blip>
           <a:stretch>
             <a:fillRect/>
           </a:stretch>
@@ -4303,7 +4260,13 @@
           </p:nvPr>
         </p:nvPicPr>
         <p:blipFill>
-          <a:blip r:embed="rId2"/>
+          <a:blip r:embed="rId2">
+            <a:extLst>
+              <a:ext uri="{28A0092B-C50C-407E-A947-70E740481C1C}">
+                <a14:useLocalDpi xmlns:a14="http://schemas.microsoft.com/office/drawing/2010/main"/>
+              </a:ext>
+            </a:extLst>
+          </a:blip>
           <a:stretch>
             <a:fillRect/>
           </a:stretch>
@@ -4457,27 +4420,7 @@
                   </a:schemeClr>
                 </a:solidFill>
               </a:rPr>
-              <a:t>“Don’t </a:t>
-            </a:r>
-            <a:r>
-              <a:rPr lang="en-US" dirty="0" smtClean="0">
-                <a:solidFill>
-                  <a:schemeClr val="bg1">
-                    <a:lumMod val="95000"/>
-                  </a:schemeClr>
-                </a:solidFill>
-              </a:rPr>
-              <a:t>take our word for it.  Look at the data</a:t>
-            </a:r>
-            <a:r>
-              <a:rPr lang="en-US" dirty="0" smtClean="0">
-                <a:solidFill>
-                  <a:schemeClr val="bg1">
-                    <a:lumMod val="95000"/>
-                  </a:schemeClr>
-                </a:solidFill>
-              </a:rPr>
-              <a:t>!”</a:t>
+              <a:t>“Don’t take our word for it.  Look at the data!”</a:t>
             </a:r>
             <a:endParaRPr lang="en-CA" dirty="0">
               <a:solidFill>
@@ -4719,10 +4662,10 @@
           </p:nvPr>
         </p:nvPicPr>
         <p:blipFill>
-          <a:blip r:embed="rId3" cstate="print">
+          <a:blip r:embed="rId3" cstate="screen">
             <a:extLst>
               <a:ext uri="{28A0092B-C50C-407E-A947-70E740481C1C}">
-                <a14:useLocalDpi xmlns:a14="http://schemas.microsoft.com/office/drawing/2010/main" val="0"/>
+                <a14:useLocalDpi xmlns:a14="http://schemas.microsoft.com/office/drawing/2010/main"/>
               </a:ext>
             </a:extLst>
           </a:blip>
@@ -4749,10 +4692,10 @@
           <p:nvPr/>
         </p:nvPicPr>
         <p:blipFill>
-          <a:blip r:embed="rId4" cstate="print">
+          <a:blip r:embed="rId4" cstate="screen">
             <a:extLst>
               <a:ext uri="{28A0092B-C50C-407E-A947-70E740481C1C}">
-                <a14:useLocalDpi xmlns:a14="http://schemas.microsoft.com/office/drawing/2010/main" val="0"/>
+                <a14:useLocalDpi xmlns:a14="http://schemas.microsoft.com/office/drawing/2010/main"/>
               </a:ext>
             </a:extLst>
           </a:blip>
